--- a/Documentation/Praesentation/StatePattern.pptx
+++ b/Documentation/Praesentation/StatePattern.pptx
@@ -937,6 +937,10 @@
             <a:r>
               <a:rPr lang="de-AT" baseline="0" dirty="0" err="1" smtClean="0"/>
               <a:t>Self</a:t>
+            </a:r>
+            <a:r>
+              <a:rPr lang="de-AT" baseline="0" smtClean="0"/>
+              <a:t> (http://en.wikipedia.org/wiki/Self_(programming_language))</a:t>
             </a:r>
             <a:endParaRPr lang="de-AT" baseline="0" dirty="0" smtClean="0"/>
           </a:p>
@@ -5828,7 +5832,6 @@
               <a:rPr lang="de-AT" dirty="0" smtClean="0"/>
               <a:t> GUI</a:t>
             </a:r>
-            <a:endParaRPr lang="de-AT" dirty="0" smtClean="0"/>
           </a:p>
           <a:p>
             <a:r>
@@ -6095,11 +6098,7 @@
           <a:p>
             <a:r>
               <a:rPr lang="de-AT" dirty="0" smtClean="0"/>
-              <a:t>State </a:t>
-            </a:r>
-            <a:r>
-              <a:rPr lang="de-AT" dirty="0" smtClean="0"/>
-              <a:t>Pattern - </a:t>
+              <a:t>State Pattern - </a:t>
             </a:r>
             <a:r>
               <a:rPr lang="de-AT" dirty="0" err="1" smtClean="0"/>
